--- a/_am/_craiova/prez-craiova.pptx
+++ b/_am/_craiova/prez-craiova.pptx
@@ -286,6 +286,95 @@
 </p:notesMaster>
 </file>
 
+<file path=ppt/notesSlides/notesSlide1.xml><?xml version="1.0" encoding="utf-8"?>
+<p:notes xmlns:a="http://schemas.openxmlformats.org/drawingml/2006/main" xmlns:r="http://schemas.openxmlformats.org/officeDocument/2006/relationships" xmlns:p="http://schemas.openxmlformats.org/presentationml/2006/main">
+  <p:cSld>
+    <p:spTree>
+      <p:nvGrpSpPr>
+        <p:cNvPr id="1" name=""/>
+        <p:cNvGrpSpPr/>
+        <p:nvPr/>
+      </p:nvGrpSpPr>
+      <p:grpSpPr>
+        <a:xfrm>
+          <a:off x="0" y="0"/>
+          <a:ext cx="0" cy="0"/>
+          <a:chOff x="0" y="0"/>
+          <a:chExt cx="0" cy="0"/>
+        </a:xfrm>
+      </p:grpSpPr>
+      <p:sp>
+        <p:nvSpPr>
+          <p:cNvPr id="2" name="Slide Image Placeholder 1"/>
+          <p:cNvSpPr>
+            <a:spLocks noGrp="1" noRot="1" noChangeAspect="1"/>
+          </p:cNvSpPr>
+          <p:nvPr>
+            <p:ph type="sldImg"/>
+          </p:nvPr>
+        </p:nvSpPr>
+        <p:spPr/>
+      </p:sp>
+      <p:sp>
+        <p:nvSpPr>
+          <p:cNvPr id="3" name="Notes Placeholder 2"/>
+          <p:cNvSpPr>
+            <a:spLocks noGrp="1"/>
+          </p:cNvSpPr>
+          <p:nvPr>
+            <p:ph type="body" idx="1"/>
+          </p:nvPr>
+        </p:nvSpPr>
+        <p:spPr/>
+        <p:txBody>
+          <a:bodyPr/>
+          <a:lstStyle/>
+          <a:p>
+            <a:r>
+              <a:rPr lang="en-US" dirty="0" err="1" smtClean="0"/>
+              <a:t>urmeaza</a:t>
+            </a:r>
+            <a:r>
+              <a:rPr lang="en-US" dirty="0" smtClean="0"/>
+              <a:t> demo</a:t>
+            </a:r>
+            <a:r>
+              <a:rPr lang="en-US" baseline="0" dirty="0" smtClean="0"/>
+              <a:t> cu </a:t>
+            </a:r>
+            <a:r>
+              <a:rPr lang="en-US" baseline="0" dirty="0" err="1" smtClean="0"/>
+              <a:t>recunoastere</a:t>
+            </a:r>
+            <a:r>
+              <a:rPr lang="en-US" baseline="0" dirty="0" smtClean="0"/>
+              <a:t> de </a:t>
+            </a:r>
+            <a:r>
+              <a:rPr lang="en-US" baseline="0" dirty="0" err="1" smtClean="0"/>
+              <a:t>gesturi</a:t>
+            </a:r>
+            <a:r>
+              <a:rPr lang="en-US" baseline="0" dirty="0" smtClean="0"/>
+              <a:t>?</a:t>
+            </a:r>
+            <a:endParaRPr lang="en-GB" dirty="0"/>
+          </a:p>
+        </p:txBody>
+      </p:sp>
+    </p:spTree>
+    <p:extLst>
+      <p:ext uri="{BB962C8B-B14F-4D97-AF65-F5344CB8AC3E}">
+        <p14:creationId xmlns:p14="http://schemas.microsoft.com/office/powerpoint/2010/main" val="3940242838"/>
+      </p:ext>
+    </p:extLst>
+  </p:cSld>
+  <p:clrMapOvr>
+    <a:masterClrMapping/>
+  </p:clrMapOvr>
+</p:notes>
+</file>
+
 <file path=ppt/slideLayouts/slideLayout1.xml><?xml version="1.0" encoding="utf-8"?>
 <p:sldLayout xmlns:a="http://schemas.openxmlformats.org/drawingml/2006/main" xmlns:r="http://schemas.openxmlformats.org/officeDocument/2006/relationships" xmlns:p="http://schemas.openxmlformats.org/presentationml/2006/main" type="tx">
   <p:cSld name="Title &amp; Subtitle">
@@ -1498,7 +1587,7 @@
           </a:ln>
           <a:extLst>
             <a:ext uri="{C572A759-6A51-4108-AA02-DFA0A04FC94B}">
-              <ma14:wrappingTextBoxFlag xmlns:ma14="http://schemas.microsoft.com/office/mac/drawingml/2011/main" xmlns="" val="1"/>
+              <ma14:wrappingTextBoxFlag xmlns="" xmlns:ma14="http://schemas.microsoft.com/office/mac/drawingml/2011/main" val="1"/>
             </a:ext>
           </a:extLst>
         </p:spPr>
@@ -1549,7 +1638,7 @@
           </a:ln>
           <a:extLst>
             <a:ext uri="{C572A759-6A51-4108-AA02-DFA0A04FC94B}">
-              <ma14:wrappingTextBoxFlag xmlns:ma14="http://schemas.microsoft.com/office/mac/drawingml/2011/main" xmlns="" val="1"/>
+              <ma14:wrappingTextBoxFlag xmlns="" xmlns:ma14="http://schemas.microsoft.com/office/mac/drawingml/2011/main" val="1"/>
             </a:ext>
           </a:extLst>
         </p:spPr>
@@ -2656,11 +2745,13 @@
         <p:spPr>
           <a:xfrm>
             <a:off x="1320800" y="2514600"/>
-            <a:ext cx="10464800" cy="6019800"/>
+            <a:ext cx="5638800" cy="6019800"/>
           </a:xfrm>
         </p:spPr>
         <p:txBody>
-          <a:bodyPr anchor="ctr"/>
+          <a:bodyPr anchor="ctr">
+            <a:normAutofit/>
+          </a:bodyPr>
           <a:lstStyle/>
           <a:p>
             <a:pPr marL="742950" indent="-742950" algn="l">
@@ -2671,10 +2762,194 @@
               <a:buFont typeface="Arial" panose="020B0604020202020204" pitchFamily="34" charset="0"/>
               <a:buChar char="•"/>
             </a:pPr>
-            <a:endParaRPr lang="en-GB" sz="3800" dirty="0"/>
+            <a:r>
+              <a:rPr lang="en-GB" i="1" dirty="0" smtClean="0"/>
+              <a:t>sound-thimble</a:t>
+            </a:r>
+            <a:r>
+              <a:rPr lang="en-GB" dirty="0" smtClean="0"/>
+              <a:t> = </a:t>
+            </a:r>
+            <a:r>
+              <a:rPr lang="en-GB" dirty="0" err="1" smtClean="0"/>
+              <a:t>obiect</a:t>
+            </a:r>
+            <a:r>
+              <a:rPr lang="en-GB" dirty="0" smtClean="0"/>
+              <a:t> </a:t>
+            </a:r>
+            <a:r>
+              <a:rPr lang="en-GB" dirty="0" err="1" smtClean="0"/>
+              <a:t>sonor</a:t>
+            </a:r>
+            <a:r>
+              <a:rPr lang="en-GB" dirty="0" smtClean="0"/>
+              <a:t> </a:t>
+            </a:r>
+            <a:r>
+              <a:rPr lang="en-GB" sz="2400" dirty="0" smtClean="0"/>
+              <a:t>(Schaeffer)</a:t>
+            </a:r>
+          </a:p>
+          <a:p>
+            <a:pPr marL="742950" lvl="4" indent="-742950" algn="l">
+              <a:buFont typeface="Arial" panose="020B0604020202020204" pitchFamily="34" charset="0"/>
+              <a:buChar char="•"/>
+            </a:pPr>
+            <a:r>
+              <a:rPr lang="en-GB" sz="2200" dirty="0" err="1" smtClean="0"/>
+              <a:t>unitate</a:t>
+            </a:r>
+            <a:r>
+              <a:rPr lang="en-GB" sz="2200" dirty="0" smtClean="0"/>
+              <a:t> </a:t>
+            </a:r>
+            <a:r>
+              <a:rPr lang="en-GB" sz="2200" dirty="0" err="1" smtClean="0"/>
+              <a:t>sonor</a:t>
+            </a:r>
+            <a:r>
+              <a:rPr lang="ro-RO" sz="2200" dirty="0" smtClean="0"/>
+              <a:t>ă clar delimitată</a:t>
+            </a:r>
+          </a:p>
+          <a:p>
+            <a:pPr marL="742950" lvl="4" indent="-742950" algn="l">
+              <a:buFont typeface="Arial" panose="020B0604020202020204" pitchFamily="34" charset="0"/>
+              <a:buChar char="•"/>
+            </a:pPr>
+            <a:r>
+              <a:rPr lang="ro-RO" sz="2200" dirty="0" smtClean="0"/>
+              <a:t>manipulare, aranjament, compoziție</a:t>
+            </a:r>
+          </a:p>
+          <a:p>
+            <a:pPr marL="742950" lvl="4" indent="-742950" algn="l">
+              <a:spcBef>
+                <a:spcPts val="4200"/>
+              </a:spcBef>
+              <a:buSzPct val="75000"/>
+              <a:buFont typeface="Arial" panose="020B0604020202020204" pitchFamily="34" charset="0"/>
+              <a:buChar char="•"/>
+            </a:pPr>
+            <a:r>
+              <a:rPr lang="ro-RO" dirty="0" smtClean="0"/>
+              <a:t>un scenariu posibil</a:t>
+            </a:r>
+          </a:p>
+          <a:p>
+            <a:pPr marL="742950" lvl="4" indent="-742950" algn="l">
+              <a:spcBef>
+                <a:spcPts val="4200"/>
+              </a:spcBef>
+              <a:buSzPct val="75000"/>
+              <a:buFont typeface="Arial" panose="020B0604020202020204" pitchFamily="34" charset="0"/>
+              <a:buChar char="•"/>
+            </a:pPr>
+            <a:r>
+              <a:rPr lang="ro-RO" dirty="0" smtClean="0"/>
+              <a:t>abordări performative</a:t>
+            </a:r>
+          </a:p>
+          <a:p>
+            <a:pPr marL="742950" lvl="4" indent="-742950" algn="l">
+              <a:buFont typeface="Arial" panose="020B0604020202020204" pitchFamily="34" charset="0"/>
+              <a:buChar char="•"/>
+            </a:pPr>
+            <a:r>
+              <a:rPr lang="ro-RO" sz="2200" dirty="0" smtClean="0"/>
+              <a:t>reflexiv, kinestetic, conotativ, empatic...</a:t>
+            </a:r>
+            <a:endParaRPr lang="ro-RO" sz="2200" dirty="0" smtClean="0"/>
+          </a:p>
+          <a:p>
+            <a:pPr marL="742950" lvl="4" indent="-742950" algn="l">
+              <a:spcBef>
+                <a:spcPts val="4200"/>
+              </a:spcBef>
+              <a:buSzPct val="75000"/>
+              <a:buFont typeface="Arial" panose="020B0604020202020204" pitchFamily="34" charset="0"/>
+              <a:buChar char="•"/>
+            </a:pPr>
+            <a:r>
+              <a:rPr lang="ro-RO" dirty="0" smtClean="0"/>
+              <a:t>rezultat</a:t>
+            </a:r>
+            <a:r>
+              <a:rPr lang="en-US" dirty="0" smtClean="0"/>
+              <a:t>: </a:t>
+            </a:r>
+            <a:r>
+              <a:rPr lang="ro-RO" dirty="0" smtClean="0"/>
+              <a:t>o platformă flexibilă interacțiune audio</a:t>
+            </a:r>
+            <a:endParaRPr lang="en-GB" dirty="0"/>
           </a:p>
         </p:txBody>
       </p:sp>
+      <p:pic>
+        <p:nvPicPr>
+          <p:cNvPr id="1027" name="Picture 3"/>
+          <p:cNvPicPr>
+            <a:picLocks noChangeAspect="1" noChangeArrowheads="1"/>
+          </p:cNvPicPr>
+          <p:nvPr/>
+        </p:nvPicPr>
+        <p:blipFill>
+          <a:blip r:embed="rId2">
+            <a:extLst>
+              <a:ext uri="{BEBA8EAE-BF5A-486C-A8C5-ECC9F3942E4B}">
+                <a14:imgProps xmlns:a14="http://schemas.microsoft.com/office/drawing/2010/main">
+                  <a14:imgLayer r:embed="rId3">
+                    <a14:imgEffect>
+                      <a14:sharpenSoften amount="50000"/>
+                    </a14:imgEffect>
+                  </a14:imgLayer>
+                </a14:imgProps>
+              </a:ext>
+              <a:ext uri="{28A0092B-C50C-407E-A947-70E740481C1C}">
+                <a14:useLocalDpi xmlns:a14="http://schemas.microsoft.com/office/drawing/2010/main" val="0"/>
+              </a:ext>
+            </a:extLst>
+          </a:blip>
+          <a:srcRect/>
+          <a:stretch>
+            <a:fillRect/>
+          </a:stretch>
+        </p:blipFill>
+        <p:spPr bwMode="auto">
+          <a:xfrm>
+            <a:off x="6959600" y="1828800"/>
+            <a:ext cx="5924550" cy="7677150"/>
+          </a:xfrm>
+          <a:prstGeom prst="rect">
+            <a:avLst/>
+          </a:prstGeom>
+          <a:noFill/>
+          <a:ln>
+            <a:noFill/>
+          </a:ln>
+          <a:extLst>
+            <a:ext uri="{909E8E84-426E-40DD-AFC4-6F175D3DCCD1}">
+              <a14:hiddenFill xmlns:a14="http://schemas.microsoft.com/office/drawing/2010/main">
+                <a:solidFill>
+                  <a:schemeClr val="accent1"/>
+                </a:solidFill>
+              </a14:hiddenFill>
+            </a:ext>
+            <a:ext uri="{91240B29-F687-4F45-9708-019B960494DF}">
+              <a14:hiddenLine xmlns:a14="http://schemas.microsoft.com/office/drawing/2010/main" w="9525">
+                <a:solidFill>
+                  <a:schemeClr val="tx1"/>
+                </a:solidFill>
+                <a:miter lim="800000"/>
+                <a:headEnd/>
+                <a:tailEnd/>
+              </a14:hiddenLine>
+            </a:ext>
+          </a:extLst>
+        </p:spPr>
+      </p:pic>
     </p:spTree>
     <p:extLst>
       <p:ext uri="{BB962C8B-B14F-4D97-AF65-F5344CB8AC3E}">
@@ -2689,7 +2964,346 @@
   <p:timing>
     <p:tnLst>
       <p:par>
-        <p:cTn id="1" dur="indefinite" restart="never" nodeType="tmRoot"/>
+        <p:cTn id="1" dur="indefinite" restart="never" nodeType="tmRoot">
+          <p:childTnLst>
+            <p:seq concurrent="1" nextAc="seek">
+              <p:cTn id="2" dur="indefinite" nodeType="mainSeq">
+                <p:childTnLst>
+                  <p:par>
+                    <p:cTn id="3" fill="hold">
+                      <p:stCondLst>
+                        <p:cond delay="indefinite"/>
+                      </p:stCondLst>
+                      <p:childTnLst>
+                        <p:par>
+                          <p:cTn id="4" fill="hold">
+                            <p:stCondLst>
+                              <p:cond delay="0"/>
+                            </p:stCondLst>
+                            <p:childTnLst>
+                              <p:par>
+                                <p:cTn id="5" presetID="1" presetClass="entr" presetSubtype="0" fill="hold" nodeType="clickEffect">
+                                  <p:stCondLst>
+                                    <p:cond delay="0"/>
+                                  </p:stCondLst>
+                                  <p:childTnLst>
+                                    <p:set>
+                                      <p:cBhvr>
+                                        <p:cTn id="6" dur="1" fill="hold">
+                                          <p:stCondLst>
+                                            <p:cond delay="0"/>
+                                          </p:stCondLst>
+                                        </p:cTn>
+                                        <p:tgtEl>
+                                          <p:spTgt spid="3">
+                                            <p:txEl>
+                                              <p:pRg st="0" end="0"/>
+                                            </p:txEl>
+                                          </p:spTgt>
+                                        </p:tgtEl>
+                                        <p:attrNameLst>
+                                          <p:attrName>style.visibility</p:attrName>
+                                        </p:attrNameLst>
+                                      </p:cBhvr>
+                                      <p:to>
+                                        <p:strVal val="visible"/>
+                                      </p:to>
+                                    </p:set>
+                                  </p:childTnLst>
+                                </p:cTn>
+                              </p:par>
+                              <p:par>
+                                <p:cTn id="7" presetID="1" presetClass="entr" presetSubtype="0" fill="hold" nodeType="withEffect">
+                                  <p:stCondLst>
+                                    <p:cond delay="0"/>
+                                  </p:stCondLst>
+                                  <p:childTnLst>
+                                    <p:set>
+                                      <p:cBhvr>
+                                        <p:cTn id="8" dur="1" fill="hold">
+                                          <p:stCondLst>
+                                            <p:cond delay="0"/>
+                                          </p:stCondLst>
+                                        </p:cTn>
+                                        <p:tgtEl>
+                                          <p:spTgt spid="3">
+                                            <p:txEl>
+                                              <p:pRg st="1" end="1"/>
+                                            </p:txEl>
+                                          </p:spTgt>
+                                        </p:tgtEl>
+                                        <p:attrNameLst>
+                                          <p:attrName>style.visibility</p:attrName>
+                                        </p:attrNameLst>
+                                      </p:cBhvr>
+                                      <p:to>
+                                        <p:strVal val="visible"/>
+                                      </p:to>
+                                    </p:set>
+                                  </p:childTnLst>
+                                </p:cTn>
+                              </p:par>
+                              <p:par>
+                                <p:cTn id="9" presetID="1" presetClass="entr" presetSubtype="0" fill="hold" nodeType="withEffect">
+                                  <p:stCondLst>
+                                    <p:cond delay="0"/>
+                                  </p:stCondLst>
+                                  <p:childTnLst>
+                                    <p:set>
+                                      <p:cBhvr>
+                                        <p:cTn id="10" dur="1" fill="hold">
+                                          <p:stCondLst>
+                                            <p:cond delay="0"/>
+                                          </p:stCondLst>
+                                        </p:cTn>
+                                        <p:tgtEl>
+                                          <p:spTgt spid="3">
+                                            <p:txEl>
+                                              <p:pRg st="2" end="2"/>
+                                            </p:txEl>
+                                          </p:spTgt>
+                                        </p:tgtEl>
+                                        <p:attrNameLst>
+                                          <p:attrName>style.visibility</p:attrName>
+                                        </p:attrNameLst>
+                                      </p:cBhvr>
+                                      <p:to>
+                                        <p:strVal val="visible"/>
+                                      </p:to>
+                                    </p:set>
+                                  </p:childTnLst>
+                                </p:cTn>
+                              </p:par>
+                            </p:childTnLst>
+                          </p:cTn>
+                        </p:par>
+                      </p:childTnLst>
+                    </p:cTn>
+                  </p:par>
+                  <p:par>
+                    <p:cTn id="11" fill="hold">
+                      <p:stCondLst>
+                        <p:cond delay="indefinite"/>
+                      </p:stCondLst>
+                      <p:childTnLst>
+                        <p:par>
+                          <p:cTn id="12" fill="hold">
+                            <p:stCondLst>
+                              <p:cond delay="0"/>
+                            </p:stCondLst>
+                            <p:childTnLst>
+                              <p:par>
+                                <p:cTn id="13" presetID="1" presetClass="entr" presetSubtype="0" fill="hold" nodeType="clickEffect">
+                                  <p:stCondLst>
+                                    <p:cond delay="0"/>
+                                  </p:stCondLst>
+                                  <p:childTnLst>
+                                    <p:set>
+                                      <p:cBhvr>
+                                        <p:cTn id="14" dur="1" fill="hold">
+                                          <p:stCondLst>
+                                            <p:cond delay="0"/>
+                                          </p:stCondLst>
+                                        </p:cTn>
+                                        <p:tgtEl>
+                                          <p:spTgt spid="3">
+                                            <p:txEl>
+                                              <p:pRg st="3" end="3"/>
+                                            </p:txEl>
+                                          </p:spTgt>
+                                        </p:tgtEl>
+                                        <p:attrNameLst>
+                                          <p:attrName>style.visibility</p:attrName>
+                                        </p:attrNameLst>
+                                      </p:cBhvr>
+                                      <p:to>
+                                        <p:strVal val="visible"/>
+                                      </p:to>
+                                    </p:set>
+                                  </p:childTnLst>
+                                </p:cTn>
+                              </p:par>
+                              <p:par>
+                                <p:cTn id="15" presetID="1" presetClass="entr" presetSubtype="0" fill="hold" nodeType="withEffect">
+                                  <p:stCondLst>
+                                    <p:cond delay="0"/>
+                                  </p:stCondLst>
+                                  <p:childTnLst>
+                                    <p:set>
+                                      <p:cBhvr>
+                                        <p:cTn id="16" dur="1" fill="hold">
+                                          <p:stCondLst>
+                                            <p:cond delay="0"/>
+                                          </p:stCondLst>
+                                        </p:cTn>
+                                        <p:tgtEl>
+                                          <p:spTgt spid="1027"/>
+                                        </p:tgtEl>
+                                        <p:attrNameLst>
+                                          <p:attrName>style.visibility</p:attrName>
+                                        </p:attrNameLst>
+                                      </p:cBhvr>
+                                      <p:to>
+                                        <p:strVal val="visible"/>
+                                      </p:to>
+                                    </p:set>
+                                  </p:childTnLst>
+                                </p:cTn>
+                              </p:par>
+                            </p:childTnLst>
+                          </p:cTn>
+                        </p:par>
+                      </p:childTnLst>
+                    </p:cTn>
+                  </p:par>
+                  <p:par>
+                    <p:cTn id="17" fill="hold">
+                      <p:stCondLst>
+                        <p:cond delay="indefinite"/>
+                      </p:stCondLst>
+                      <p:childTnLst>
+                        <p:par>
+                          <p:cTn id="18" fill="hold">
+                            <p:stCondLst>
+                              <p:cond delay="0"/>
+                            </p:stCondLst>
+                            <p:childTnLst>
+                              <p:par>
+                                <p:cTn id="19" presetID="1" presetClass="entr" presetSubtype="0" fill="hold" nodeType="clickEffect">
+                                  <p:stCondLst>
+                                    <p:cond delay="0"/>
+                                  </p:stCondLst>
+                                  <p:childTnLst>
+                                    <p:set>
+                                      <p:cBhvr>
+                                        <p:cTn id="20" dur="1" fill="hold">
+                                          <p:stCondLst>
+                                            <p:cond delay="0"/>
+                                          </p:stCondLst>
+                                        </p:cTn>
+                                        <p:tgtEl>
+                                          <p:spTgt spid="3">
+                                            <p:txEl>
+                                              <p:pRg st="4" end="4"/>
+                                            </p:txEl>
+                                          </p:spTgt>
+                                        </p:tgtEl>
+                                        <p:attrNameLst>
+                                          <p:attrName>style.visibility</p:attrName>
+                                        </p:attrNameLst>
+                                      </p:cBhvr>
+                                      <p:to>
+                                        <p:strVal val="visible"/>
+                                      </p:to>
+                                    </p:set>
+                                  </p:childTnLst>
+                                </p:cTn>
+                              </p:par>
+                              <p:par>
+                                <p:cTn id="21" presetID="1" presetClass="entr" presetSubtype="0" fill="hold" nodeType="withEffect">
+                                  <p:stCondLst>
+                                    <p:cond delay="0"/>
+                                  </p:stCondLst>
+                                  <p:childTnLst>
+                                    <p:set>
+                                      <p:cBhvr>
+                                        <p:cTn id="22" dur="1" fill="hold">
+                                          <p:stCondLst>
+                                            <p:cond delay="0"/>
+                                          </p:stCondLst>
+                                        </p:cTn>
+                                        <p:tgtEl>
+                                          <p:spTgt spid="3">
+                                            <p:txEl>
+                                              <p:pRg st="5" end="5"/>
+                                            </p:txEl>
+                                          </p:spTgt>
+                                        </p:tgtEl>
+                                        <p:attrNameLst>
+                                          <p:attrName>style.visibility</p:attrName>
+                                        </p:attrNameLst>
+                                      </p:cBhvr>
+                                      <p:to>
+                                        <p:strVal val="visible"/>
+                                      </p:to>
+                                    </p:set>
+                                  </p:childTnLst>
+                                </p:cTn>
+                              </p:par>
+                            </p:childTnLst>
+                          </p:cTn>
+                        </p:par>
+                      </p:childTnLst>
+                    </p:cTn>
+                  </p:par>
+                  <p:par>
+                    <p:cTn id="23" fill="hold">
+                      <p:stCondLst>
+                        <p:cond delay="indefinite"/>
+                      </p:stCondLst>
+                      <p:childTnLst>
+                        <p:par>
+                          <p:cTn id="24" fill="hold">
+                            <p:stCondLst>
+                              <p:cond delay="0"/>
+                            </p:stCondLst>
+                            <p:childTnLst>
+                              <p:par>
+                                <p:cTn id="25" presetID="1" presetClass="entr" presetSubtype="0" fill="hold" nodeType="clickEffect">
+                                  <p:stCondLst>
+                                    <p:cond delay="0"/>
+                                  </p:stCondLst>
+                                  <p:childTnLst>
+                                    <p:set>
+                                      <p:cBhvr>
+                                        <p:cTn id="26" dur="1" fill="hold">
+                                          <p:stCondLst>
+                                            <p:cond delay="0"/>
+                                          </p:stCondLst>
+                                        </p:cTn>
+                                        <p:tgtEl>
+                                          <p:spTgt spid="3">
+                                            <p:txEl>
+                                              <p:pRg st="6" end="6"/>
+                                            </p:txEl>
+                                          </p:spTgt>
+                                        </p:tgtEl>
+                                        <p:attrNameLst>
+                                          <p:attrName>style.visibility</p:attrName>
+                                        </p:attrNameLst>
+                                      </p:cBhvr>
+                                      <p:to>
+                                        <p:strVal val="visible"/>
+                                      </p:to>
+                                    </p:set>
+                                  </p:childTnLst>
+                                </p:cTn>
+                              </p:par>
+                            </p:childTnLst>
+                          </p:cTn>
+                        </p:par>
+                      </p:childTnLst>
+                    </p:cTn>
+                  </p:par>
+                </p:childTnLst>
+              </p:cTn>
+              <p:prevCondLst>
+                <p:cond evt="onPrev" delay="0">
+                  <p:tgtEl>
+                    <p:sldTgt/>
+                  </p:tgtEl>
+                </p:cond>
+              </p:prevCondLst>
+              <p:nextCondLst>
+                <p:cond evt="onNext" delay="0">
+                  <p:tgtEl>
+                    <p:sldTgt/>
+                  </p:tgtEl>
+                </p:cond>
+              </p:nextCondLst>
+            </p:seq>
+          </p:childTnLst>
+        </p:cTn>
       </p:par>
     </p:tnLst>
   </p:timing>
@@ -2769,7 +3383,7 @@
         <p:spPr>
           <a:xfrm>
             <a:off x="1320800" y="2514600"/>
-            <a:ext cx="10464800" cy="6019800"/>
+            <a:ext cx="5257800" cy="6019800"/>
           </a:xfrm>
         </p:spPr>
         <p:txBody>
@@ -2784,10 +3398,178 @@
               <a:buFont typeface="Arial" panose="020B0604020202020204" pitchFamily="34" charset="0"/>
               <a:buChar char="•"/>
             </a:pPr>
-            <a:endParaRPr lang="en-GB" sz="3800" dirty="0"/>
+            <a:r>
+              <a:rPr lang="en-US" sz="3800" dirty="0" smtClean="0"/>
+              <a:t>Nexus</a:t>
+            </a:r>
+            <a:r>
+              <a:rPr lang="en-US" sz="3800" i="1" dirty="0" smtClean="0"/>
+              <a:t>: </a:t>
+            </a:r>
+            <a:r>
+              <a:rPr lang="ro-RO" sz="3800" i="1" dirty="0" smtClean="0"/>
+              <a:t>character</a:t>
+            </a:r>
+            <a:r>
+              <a:rPr lang="ro-RO" sz="3800" dirty="0" smtClean="0"/>
+              <a:t> </a:t>
+            </a:r>
+            <a:r>
+              <a:rPr lang="en-US" sz="3800" dirty="0" smtClean="0"/>
+              <a:t>     </a:t>
+            </a:r>
+            <a:r>
+              <a:rPr lang="en-US" sz="2200" dirty="0" smtClean="0"/>
+              <a:t>5 </a:t>
+            </a:r>
+            <a:r>
+              <a:rPr lang="en-US" sz="2200" dirty="0" err="1"/>
+              <a:t>markere</a:t>
+            </a:r>
+            <a:r>
+              <a:rPr lang="en-US" sz="2200" dirty="0"/>
+              <a:t>, 2 </a:t>
+            </a:r>
+            <a:r>
+              <a:rPr lang="en-US" sz="2200" dirty="0" err="1" smtClean="0"/>
+              <a:t>segmente</a:t>
+            </a:r>
+            <a:endParaRPr lang="en-US" sz="2200" dirty="0" smtClean="0"/>
+          </a:p>
+          <a:p>
+            <a:pPr marL="742950" indent="-742950" algn="l">
+              <a:spcBef>
+                <a:spcPts val="4200"/>
+              </a:spcBef>
+              <a:buSzPct val="75000"/>
+              <a:buFont typeface="Arial" panose="020B0604020202020204" pitchFamily="34" charset="0"/>
+              <a:buChar char="•"/>
+            </a:pPr>
+            <a:r>
+              <a:rPr lang="en-US" sz="3800" dirty="0" smtClean="0"/>
+              <a:t>Max: </a:t>
+            </a:r>
+            <a:r>
+              <a:rPr lang="en-US" sz="3800" dirty="0" err="1" smtClean="0"/>
+              <a:t>gesturi</a:t>
+            </a:r>
+            <a:r>
+              <a:rPr lang="en-US" sz="3800" dirty="0" smtClean="0"/>
+              <a:t>  </a:t>
+            </a:r>
+            <a:r>
+              <a:rPr lang="en-US" sz="2200" dirty="0" err="1" smtClean="0"/>
+              <a:t>MuBu</a:t>
+            </a:r>
+            <a:r>
+              <a:rPr lang="en-US" sz="2200" dirty="0" smtClean="0"/>
+              <a:t>/IRCAM</a:t>
+            </a:r>
+          </a:p>
+          <a:p>
+            <a:pPr marL="742950" lvl="0" indent="-742950" algn="l">
+              <a:spcBef>
+                <a:spcPts val="4200"/>
+              </a:spcBef>
+              <a:buSzPct val="75000"/>
+              <a:buFont typeface="Arial" panose="020B0604020202020204" pitchFamily="34" charset="0"/>
+              <a:buChar char="•"/>
+            </a:pPr>
+            <a:r>
+              <a:rPr lang="en-US" sz="3800" dirty="0"/>
+              <a:t>Max: </a:t>
+            </a:r>
+            <a:r>
+              <a:rPr lang="en-US" sz="3800" dirty="0" err="1" smtClean="0"/>
+              <a:t>sonificare</a:t>
+            </a:r>
+            <a:r>
+              <a:rPr lang="en-US" sz="3800" dirty="0" smtClean="0"/>
+              <a:t>     </a:t>
+            </a:r>
+            <a:r>
+              <a:rPr lang="en-US" sz="2200" dirty="0" err="1" smtClean="0"/>
+              <a:t>fiecare</a:t>
+            </a:r>
+            <a:r>
+              <a:rPr lang="en-US" sz="2200" dirty="0" smtClean="0"/>
+              <a:t> </a:t>
+            </a:r>
+            <a:r>
+              <a:rPr lang="en-US" sz="2200" i="1" dirty="0" smtClean="0"/>
+              <a:t>thimble</a:t>
+            </a:r>
+            <a:r>
+              <a:rPr lang="en-US" sz="2200" dirty="0" smtClean="0"/>
+              <a:t> e un generator independent</a:t>
+            </a:r>
+            <a:endParaRPr lang="en-GB" sz="2200" dirty="0"/>
           </a:p>
         </p:txBody>
       </p:sp>
+      <p:pic>
+        <p:nvPicPr>
+          <p:cNvPr id="2050" name="Picture 2"/>
+          <p:cNvPicPr>
+            <a:picLocks noChangeAspect="1" noChangeArrowheads="1"/>
+          </p:cNvPicPr>
+          <p:nvPr/>
+        </p:nvPicPr>
+        <p:blipFill>
+          <a:blip r:embed="rId3">
+            <a:extLst>
+              <a:ext uri="{BEBA8EAE-BF5A-486C-A8C5-ECC9F3942E4B}">
+                <a14:imgProps xmlns:a14="http://schemas.microsoft.com/office/drawing/2010/main">
+                  <a14:imgLayer r:embed="rId4">
+                    <a14:imgEffect>
+                      <a14:sharpenSoften amount="50000"/>
+                    </a14:imgEffect>
+                  </a14:imgLayer>
+                </a14:imgProps>
+              </a:ext>
+              <a:ext uri="{28A0092B-C50C-407E-A947-70E740481C1C}">
+                <a14:useLocalDpi xmlns:a14="http://schemas.microsoft.com/office/drawing/2010/main" val="0"/>
+              </a:ext>
+            </a:extLst>
+          </a:blip>
+          <a:srcRect/>
+          <a:stretch>
+            <a:fillRect/>
+          </a:stretch>
+        </p:blipFill>
+        <p:spPr bwMode="auto">
+          <a:xfrm>
+            <a:off x="6502400" y="2178523"/>
+            <a:ext cx="6502400" cy="7575077"/>
+          </a:xfrm>
+          <a:prstGeom prst="rect">
+            <a:avLst/>
+          </a:prstGeom>
+          <a:noFill/>
+          <a:ln>
+            <a:noFill/>
+          </a:ln>
+          <a:extLst>
+            <a:ext uri="{909E8E84-426E-40DD-AFC4-6F175D3DCCD1}">
+              <a14:hiddenFill xmlns:a14="http://schemas.microsoft.com/office/drawing/2010/main">
+                <a:solidFill>
+                  <a:schemeClr val="accent1"/>
+                </a:solidFill>
+              </a14:hiddenFill>
+            </a:ext>
+            <a:ext uri="{91240B29-F687-4F45-9708-019B960494DF}">
+              <a14:hiddenLine xmlns:a14="http://schemas.microsoft.com/office/drawing/2010/main" w="9525">
+                <a:solidFill>
+                  <a:schemeClr val="tx1"/>
+                </a:solidFill>
+                <a:miter lim="800000"/>
+                <a:headEnd/>
+                <a:tailEnd/>
+              </a14:hiddenLine>
+            </a:ext>
+          </a:extLst>
+        </p:spPr>
+      </p:pic>
     </p:spTree>
     <p:extLst>
       <p:ext uri="{BB962C8B-B14F-4D97-AF65-F5344CB8AC3E}">
@@ -3002,6 +3784,99 @@
               <a:buFont typeface="Arial" panose="020B0604020202020204" pitchFamily="34" charset="0"/>
               <a:buChar char="•"/>
             </a:pPr>
+            <a:r>
+              <a:rPr lang="en-US" sz="3800" dirty="0" smtClean="0"/>
+              <a:t>platform</a:t>
+            </a:r>
+            <a:r>
+              <a:rPr lang="ro-RO" sz="3800" dirty="0" smtClean="0"/>
+              <a:t>ă multi-nivel, </a:t>
+            </a:r>
+            <a:r>
+              <a:rPr lang="ro-RO" sz="3800" i="1" dirty="0" smtClean="0"/>
+              <a:t>open source</a:t>
+            </a:r>
+            <a:endParaRPr lang="ro-RO" sz="3800" dirty="0" smtClean="0"/>
+          </a:p>
+          <a:p>
+            <a:pPr marL="742950" indent="-742950" algn="l">
+              <a:spcBef>
+                <a:spcPts val="4200"/>
+              </a:spcBef>
+              <a:buSzPct val="75000"/>
+              <a:buFont typeface="Arial" panose="020B0604020202020204" pitchFamily="34" charset="0"/>
+              <a:buChar char="•"/>
+            </a:pPr>
+            <a:r>
+              <a:rPr lang="ro-RO" sz="3800" dirty="0" smtClean="0"/>
+              <a:t>portabilitate, extensibilitate</a:t>
+            </a:r>
+          </a:p>
+          <a:p>
+            <a:pPr marL="742950" indent="-742950" algn="l">
+              <a:spcBef>
+                <a:spcPts val="4200"/>
+              </a:spcBef>
+              <a:buSzPct val="75000"/>
+              <a:buFont typeface="Arial" panose="020B0604020202020204" pitchFamily="34" charset="0"/>
+              <a:buChar char="•"/>
+            </a:pPr>
+            <a:r>
+              <a:rPr lang="ro-RO" sz="3800" dirty="0" smtClean="0"/>
+              <a:t>metode de evaluare?</a:t>
+            </a:r>
+          </a:p>
+          <a:p>
+            <a:pPr marL="742950" indent="-742950" algn="l">
+              <a:spcBef>
+                <a:spcPts val="4200"/>
+              </a:spcBef>
+              <a:buSzPct val="75000"/>
+              <a:buFont typeface="Arial" panose="020B0604020202020204" pitchFamily="34" charset="0"/>
+              <a:buChar char="•"/>
+            </a:pPr>
+            <a:r>
+              <a:rPr lang="ro-RO" sz="3800" dirty="0" smtClean="0"/>
+              <a:t>colaborări cu artiști</a:t>
+            </a:r>
+            <a:r>
+              <a:rPr lang="en-US" sz="3800" dirty="0" smtClean="0"/>
+              <a:t>: </a:t>
+            </a:r>
+            <a:r>
+              <a:rPr lang="en-US" sz="3800" dirty="0" err="1" smtClean="0"/>
+              <a:t>coregrafi</a:t>
+            </a:r>
+            <a:r>
+              <a:rPr lang="en-US" sz="3800" dirty="0" smtClean="0"/>
+              <a:t>, </a:t>
+            </a:r>
+            <a:r>
+              <a:rPr lang="en-US" sz="3800" dirty="0" err="1" smtClean="0"/>
+              <a:t>muzicieni</a:t>
+            </a:r>
+            <a:r>
+              <a:rPr lang="en-US" sz="3800" dirty="0" smtClean="0"/>
+              <a:t>, …?</a:t>
+            </a:r>
+          </a:p>
+          <a:p>
+            <a:pPr marL="742950" indent="-742950" algn="l">
+              <a:spcBef>
+                <a:spcPts val="4200"/>
+              </a:spcBef>
+              <a:buSzPct val="75000"/>
+              <a:buFont typeface="Arial" panose="020B0604020202020204" pitchFamily="34" charset="0"/>
+              <a:buChar char="•"/>
+            </a:pPr>
+            <a:r>
+              <a:rPr lang="en-US" sz="3800" dirty="0" err="1" smtClean="0"/>
+              <a:t>dezvoltare</a:t>
+            </a:r>
+            <a:r>
+              <a:rPr lang="en-US" sz="3800" dirty="0" smtClean="0"/>
+              <a:t> software?</a:t>
+            </a:r>
             <a:endParaRPr lang="en-GB" sz="3800" dirty="0"/>
           </a:p>
         </p:txBody>
